--- a/unity_game-quality.pptx
+++ b/unity_game-quality.pptx
@@ -5,13 +5,18 @@
     <p:sldMasterId id="2147483648" r:id="rId1"/>
   </p:sldMasterIdLst>
   <p:notesMasterIdLst>
-    <p:notesMasterId r:id="rId6"/>
+    <p:notesMasterId r:id="rId11"/>
   </p:notesMasterIdLst>
   <p:sldIdLst>
     <p:sldId id="256" r:id="rId2"/>
     <p:sldId id="298" r:id="rId3"/>
     <p:sldId id="353" r:id="rId4"/>
-    <p:sldId id="352" r:id="rId5"/>
+    <p:sldId id="354" r:id="rId5"/>
+    <p:sldId id="355" r:id="rId6"/>
+    <p:sldId id="356" r:id="rId7"/>
+    <p:sldId id="357" r:id="rId8"/>
+    <p:sldId id="358" r:id="rId9"/>
+    <p:sldId id="352" r:id="rId10"/>
   </p:sldIdLst>
   <p:sldSz cx="12192000" cy="6858000"/>
   <p:notesSz cx="6858000" cy="9144000"/>
@@ -200,7 +205,7 @@
           <a:p>
             <a:fld id="{94D3EB41-CF60-4C9F-BD83-AE56FA0945EB}" type="datetimeFigureOut">
               <a:rPr lang="pt-BR" smtClean="0"/>
-              <a:t>04/10/2019</a:t>
+              <a:t>07/10/2019</a:t>
             </a:fld>
             <a:endParaRPr lang="pt-BR"/>
           </a:p>
@@ -710,7 +715,7 @@
           <a:p>
             <a:fld id="{9642BF85-54FF-46CE-B398-87F998CFD60B}" type="datetimeFigureOut">
               <a:rPr lang="pt-BR" smtClean="0"/>
-              <a:t>04/10/2019</a:t>
+              <a:t>07/10/2019</a:t>
             </a:fld>
             <a:endParaRPr lang="pt-BR"/>
           </a:p>
@@ -878,7 +883,7 @@
           <a:p>
             <a:fld id="{9642BF85-54FF-46CE-B398-87F998CFD60B}" type="datetimeFigureOut">
               <a:rPr lang="pt-BR" smtClean="0"/>
-              <a:t>04/10/2019</a:t>
+              <a:t>07/10/2019</a:t>
             </a:fld>
             <a:endParaRPr lang="pt-BR"/>
           </a:p>
@@ -1056,7 +1061,7 @@
           <a:p>
             <a:fld id="{9642BF85-54FF-46CE-B398-87F998CFD60B}" type="datetimeFigureOut">
               <a:rPr lang="pt-BR" smtClean="0"/>
-              <a:t>04/10/2019</a:t>
+              <a:t>07/10/2019</a:t>
             </a:fld>
             <a:endParaRPr lang="pt-BR"/>
           </a:p>
@@ -1393,7 +1398,7 @@
           <a:p>
             <a:fld id="{9642BF85-54FF-46CE-B398-87F998CFD60B}" type="datetimeFigureOut">
               <a:rPr lang="pt-BR" smtClean="0"/>
-              <a:t>04/10/2019</a:t>
+              <a:t>07/10/2019</a:t>
             </a:fld>
             <a:endParaRPr lang="pt-BR"/>
           </a:p>
@@ -1664,7 +1669,7 @@
           <a:p>
             <a:fld id="{9642BF85-54FF-46CE-B398-87F998CFD60B}" type="datetimeFigureOut">
               <a:rPr lang="pt-BR" smtClean="0"/>
-              <a:t>04/10/2019</a:t>
+              <a:t>07/10/2019</a:t>
             </a:fld>
             <a:endParaRPr lang="pt-BR"/>
           </a:p>
@@ -1910,7 +1915,7 @@
           <a:p>
             <a:fld id="{9642BF85-54FF-46CE-B398-87F998CFD60B}" type="datetimeFigureOut">
               <a:rPr lang="pt-BR" smtClean="0"/>
-              <a:t>04/10/2019</a:t>
+              <a:t>07/10/2019</a:t>
             </a:fld>
             <a:endParaRPr lang="pt-BR"/>
           </a:p>
@@ -2274,7 +2279,7 @@
           <a:p>
             <a:fld id="{9642BF85-54FF-46CE-B398-87F998CFD60B}" type="datetimeFigureOut">
               <a:rPr lang="pt-BR" smtClean="0"/>
-              <a:t>04/10/2019</a:t>
+              <a:t>07/10/2019</a:t>
             </a:fld>
             <a:endParaRPr lang="pt-BR"/>
           </a:p>
@@ -2408,7 +2413,7 @@
           <a:p>
             <a:fld id="{9642BF85-54FF-46CE-B398-87F998CFD60B}" type="datetimeFigureOut">
               <a:rPr lang="pt-BR" smtClean="0"/>
-              <a:t>04/10/2019</a:t>
+              <a:t>07/10/2019</a:t>
             </a:fld>
             <a:endParaRPr lang="pt-BR"/>
           </a:p>
@@ -2503,7 +2508,7 @@
           <a:p>
             <a:fld id="{9642BF85-54FF-46CE-B398-87F998CFD60B}" type="datetimeFigureOut">
               <a:rPr lang="pt-BR" smtClean="0"/>
-              <a:t>04/10/2019</a:t>
+              <a:t>07/10/2019</a:t>
             </a:fld>
             <a:endParaRPr lang="pt-BR"/>
           </a:p>
@@ -2778,7 +2783,7 @@
           <a:p>
             <a:fld id="{9642BF85-54FF-46CE-B398-87F998CFD60B}" type="datetimeFigureOut">
               <a:rPr lang="pt-BR" smtClean="0"/>
-              <a:t>04/10/2019</a:t>
+              <a:t>07/10/2019</a:t>
             </a:fld>
             <a:endParaRPr lang="pt-BR"/>
           </a:p>
@@ -3030,7 +3035,7 @@
           <a:p>
             <a:fld id="{9642BF85-54FF-46CE-B398-87F998CFD60B}" type="datetimeFigureOut">
               <a:rPr lang="pt-BR" smtClean="0"/>
-              <a:t>04/10/2019</a:t>
+              <a:t>07/10/2019</a:t>
             </a:fld>
             <a:endParaRPr lang="pt-BR"/>
           </a:p>
@@ -3250,7 +3255,7 @@
           <a:p>
             <a:fld id="{9642BF85-54FF-46CE-B398-87F998CFD60B}" type="datetimeFigureOut">
               <a:rPr lang="pt-BR" smtClean="0"/>
-              <a:t>04/10/2019</a:t>
+              <a:t>07/10/2019</a:t>
             </a:fld>
             <a:endParaRPr lang="pt-BR"/>
           </a:p>
@@ -3877,7 +3882,7 @@
         <p:spPr/>
         <p:txBody>
           <a:bodyPr>
-            <a:normAutofit/>
+            <a:normAutofit fontScale="92500" lnSpcReduction="20000"/>
           </a:bodyPr>
           <a:lstStyle/>
           <a:p>
@@ -3927,7 +3932,7 @@
             </a:pPr>
             <a:r>
               <a:rPr lang="pt-BR" dirty="0"/>
-              <a:t>Uso de humor e de elementos fora da realidade; e</a:t>
+              <a:t>Uso de humor e de elementos fora da realidade;</a:t>
             </a:r>
           </a:p>
           <a:p>
@@ -3937,7 +3942,17 @@
             </a:pPr>
             <a:r>
               <a:rPr lang="pt-BR" dirty="0"/>
-              <a:t>Uso de inteligência artificial.</a:t>
+              <a:t>Uso de inteligência artificial; e</a:t>
+            </a:r>
+          </a:p>
+          <a:p>
+            <a:pPr marL="457200" indent="-457200" algn="l">
+              <a:buFont typeface="Arial" panose="020B0604020202020204" pitchFamily="34" charset="0"/>
+              <a:buChar char="•"/>
+            </a:pPr>
+            <a:r>
+              <a:rPr lang="pt-BR" dirty="0"/>
+              <a:t>Interface fácil de usar e entender.</a:t>
             </a:r>
           </a:p>
         </p:txBody>
@@ -3956,6 +3971,645 @@
 </file>
 
 <file path=ppt/slides/slide4.xml><?xml version="1.0" encoding="utf-8"?>
+<p:sld xmlns:a="http://schemas.openxmlformats.org/drawingml/2006/main" xmlns:r="http://schemas.openxmlformats.org/officeDocument/2006/relationships" xmlns:p="http://schemas.openxmlformats.org/presentationml/2006/main">
+  <p:cSld>
+    <p:spTree>
+      <p:nvGrpSpPr>
+        <p:cNvPr id="1" name=""/>
+        <p:cNvGrpSpPr/>
+        <p:nvPr/>
+      </p:nvGrpSpPr>
+      <p:grpSpPr>
+        <a:xfrm>
+          <a:off x="0" y="0"/>
+          <a:ext cx="0" cy="0"/>
+          <a:chOff x="0" y="0"/>
+          <a:chExt cx="0" cy="0"/>
+        </a:xfrm>
+      </p:grpSpPr>
+      <p:sp>
+        <p:nvSpPr>
+          <p:cNvPr id="5" name="Título 4"/>
+          <p:cNvSpPr>
+            <a:spLocks noGrp="1"/>
+          </p:cNvSpPr>
+          <p:nvPr>
+            <p:ph type="title"/>
+          </p:nvPr>
+        </p:nvSpPr>
+        <p:spPr/>
+        <p:txBody>
+          <a:bodyPr/>
+          <a:lstStyle/>
+          <a:p>
+            <a:r>
+              <a:rPr lang="pt-BR" dirty="0"/>
+              <a:t>Normas</a:t>
+            </a:r>
+          </a:p>
+        </p:txBody>
+      </p:sp>
+      <p:sp>
+        <p:nvSpPr>
+          <p:cNvPr id="6" name="Espaço Reservado para Conteúdo 5"/>
+          <p:cNvSpPr>
+            <a:spLocks noGrp="1"/>
+          </p:cNvSpPr>
+          <p:nvPr>
+            <p:ph idx="1"/>
+          </p:nvPr>
+        </p:nvSpPr>
+        <p:spPr/>
+        <p:txBody>
+          <a:bodyPr>
+            <a:normAutofit/>
+          </a:bodyPr>
+          <a:lstStyle/>
+          <a:p>
+            <a:r>
+              <a:rPr lang="pt-BR" dirty="0"/>
+              <a:t>A equipe </a:t>
+            </a:r>
+            <a:r>
+              <a:rPr lang="pt-BR" b="1" dirty="0"/>
+              <a:t>Garantia de Qualidade de Software</a:t>
+            </a:r>
+            <a:r>
+              <a:rPr lang="pt-BR" dirty="0"/>
+              <a:t>, entre outras atribuições, deve garantir que o projeto dos produtos siga os formatos corretos.</a:t>
+            </a:r>
+          </a:p>
+          <a:p>
+            <a:r>
+              <a:rPr lang="pt-BR" b="1" dirty="0"/>
+              <a:t>Normas de interface de usuário</a:t>
+            </a:r>
+            <a:r>
+              <a:rPr lang="pt-BR" dirty="0"/>
+              <a:t> e </a:t>
+            </a:r>
+            <a:r>
+              <a:rPr lang="pt-BR" b="1" dirty="0"/>
+              <a:t>normas de código</a:t>
+            </a:r>
+            <a:r>
+              <a:rPr lang="pt-BR" dirty="0"/>
+              <a:t> são dois tipos de normas aplicáveis a jogos.</a:t>
+            </a:r>
+          </a:p>
+        </p:txBody>
+      </p:sp>
+    </p:spTree>
+    <p:extLst>
+      <p:ext uri="{BB962C8B-B14F-4D97-AF65-F5344CB8AC3E}">
+        <p14:creationId xmlns:p14="http://schemas.microsoft.com/office/powerpoint/2010/main" val="4000624294"/>
+      </p:ext>
+    </p:extLst>
+  </p:cSld>
+  <p:clrMapOvr>
+    <a:masterClrMapping/>
+  </p:clrMapOvr>
+</p:sld>
+</file>
+
+<file path=ppt/slides/slide5.xml><?xml version="1.0" encoding="utf-8"?>
+<p:sld xmlns:a="http://schemas.openxmlformats.org/drawingml/2006/main" xmlns:r="http://schemas.openxmlformats.org/officeDocument/2006/relationships" xmlns:p="http://schemas.openxmlformats.org/presentationml/2006/main">
+  <p:cSld>
+    <p:spTree>
+      <p:nvGrpSpPr>
+        <p:cNvPr id="1" name=""/>
+        <p:cNvGrpSpPr/>
+        <p:nvPr/>
+      </p:nvGrpSpPr>
+      <p:grpSpPr>
+        <a:xfrm>
+          <a:off x="0" y="0"/>
+          <a:ext cx="0" cy="0"/>
+          <a:chOff x="0" y="0"/>
+          <a:chExt cx="0" cy="0"/>
+        </a:xfrm>
+      </p:grpSpPr>
+      <p:sp>
+        <p:nvSpPr>
+          <p:cNvPr id="5" name="Título 4"/>
+          <p:cNvSpPr>
+            <a:spLocks noGrp="1"/>
+          </p:cNvSpPr>
+          <p:nvPr>
+            <p:ph type="title"/>
+          </p:nvPr>
+        </p:nvSpPr>
+        <p:spPr/>
+        <p:txBody>
+          <a:bodyPr/>
+          <a:lstStyle/>
+          <a:p>
+            <a:r>
+              <a:rPr lang="pt-BR" dirty="0"/>
+              <a:t>Normas de Interface de Usuário</a:t>
+            </a:r>
+          </a:p>
+        </p:txBody>
+      </p:sp>
+      <p:sp>
+        <p:nvSpPr>
+          <p:cNvPr id="6" name="Espaço Reservado para Conteúdo 5"/>
+          <p:cNvSpPr>
+            <a:spLocks noGrp="1"/>
+          </p:cNvSpPr>
+          <p:nvPr>
+            <p:ph idx="1"/>
+          </p:nvPr>
+        </p:nvSpPr>
+        <p:spPr/>
+        <p:txBody>
+          <a:bodyPr>
+            <a:normAutofit lnSpcReduction="10000"/>
+          </a:bodyPr>
+          <a:lstStyle/>
+          <a:p>
+            <a:r>
+              <a:rPr lang="pt-BR" dirty="0"/>
+              <a:t>Normas derivadas de Rob </a:t>
+            </a:r>
+            <a:r>
+              <a:rPr lang="pt-BR" dirty="0" err="1"/>
+              <a:t>Caminos</a:t>
+            </a:r>
+            <a:r>
+              <a:rPr lang="pt-BR" dirty="0"/>
+              <a:t>’ 2004 GDC </a:t>
+            </a:r>
+            <a:r>
+              <a:rPr lang="pt-BR" dirty="0" err="1"/>
+              <a:t>presentation</a:t>
+            </a:r>
+            <a:r>
+              <a:rPr lang="pt-BR" dirty="0"/>
+              <a:t> “Cross-Platform </a:t>
+            </a:r>
+            <a:r>
+              <a:rPr lang="pt-BR" dirty="0" err="1"/>
+              <a:t>User</a:t>
+            </a:r>
+            <a:r>
+              <a:rPr lang="pt-BR" dirty="0"/>
+              <a:t> Interface </a:t>
+            </a:r>
+            <a:r>
+              <a:rPr lang="pt-BR" dirty="0" err="1"/>
+              <a:t>Development</a:t>
+            </a:r>
+            <a:r>
+              <a:rPr lang="pt-BR" dirty="0"/>
+              <a:t>”:</a:t>
+            </a:r>
+          </a:p>
+          <a:p>
+            <a:pPr marL="457200" indent="-457200" algn="l">
+              <a:buFont typeface="Arial" panose="020B0604020202020204" pitchFamily="34" charset="0"/>
+              <a:buChar char="•"/>
+            </a:pPr>
+            <a:r>
+              <a:rPr lang="pt-BR" dirty="0"/>
+              <a:t>Usar texto grande e denso mesmo que isso demande a criação de uma nova página;</a:t>
+            </a:r>
+          </a:p>
+          <a:p>
+            <a:pPr marL="457200" indent="-457200" algn="l">
+              <a:buFont typeface="Arial" panose="020B0604020202020204" pitchFamily="34" charset="0"/>
+              <a:buChar char="•"/>
+            </a:pPr>
+            <a:r>
+              <a:rPr lang="pt-BR" dirty="0"/>
+              <a:t>Manter todas as letras no mesmo tamanho;</a:t>
+            </a:r>
+          </a:p>
+          <a:p>
+            <a:pPr marL="457200" indent="-457200" algn="l">
+              <a:buFont typeface="Arial" panose="020B0604020202020204" pitchFamily="34" charset="0"/>
+              <a:buChar char="•"/>
+            </a:pPr>
+            <a:r>
+              <a:rPr lang="pt-BR" dirty="0"/>
+              <a:t>Evite usar letras minúsculas. A invés disso, use versalete;</a:t>
+            </a:r>
+          </a:p>
+          <a:p>
+            <a:pPr marL="457200" indent="-457200" algn="l">
+              <a:buFont typeface="Arial" panose="020B0604020202020204" pitchFamily="34" charset="0"/>
+              <a:buChar char="•"/>
+            </a:pPr>
+            <a:r>
+              <a:rPr lang="pt-BR" dirty="0"/>
+              <a:t>Transforme texto em curvas quando possível;</a:t>
+            </a:r>
+          </a:p>
+        </p:txBody>
+      </p:sp>
+    </p:spTree>
+    <p:extLst>
+      <p:ext uri="{BB962C8B-B14F-4D97-AF65-F5344CB8AC3E}">
+        <p14:creationId xmlns:p14="http://schemas.microsoft.com/office/powerpoint/2010/main" val="4227816288"/>
+      </p:ext>
+    </p:extLst>
+  </p:cSld>
+  <p:clrMapOvr>
+    <a:masterClrMapping/>
+  </p:clrMapOvr>
+</p:sld>
+</file>
+
+<file path=ppt/slides/slide6.xml><?xml version="1.0" encoding="utf-8"?>
+<p:sld xmlns:a="http://schemas.openxmlformats.org/drawingml/2006/main" xmlns:r="http://schemas.openxmlformats.org/officeDocument/2006/relationships" xmlns:p="http://schemas.openxmlformats.org/presentationml/2006/main">
+  <p:cSld>
+    <p:spTree>
+      <p:nvGrpSpPr>
+        <p:cNvPr id="1" name=""/>
+        <p:cNvGrpSpPr/>
+        <p:nvPr/>
+      </p:nvGrpSpPr>
+      <p:grpSpPr>
+        <a:xfrm>
+          <a:off x="0" y="0"/>
+          <a:ext cx="0" cy="0"/>
+          <a:chOff x="0" y="0"/>
+          <a:chExt cx="0" cy="0"/>
+        </a:xfrm>
+      </p:grpSpPr>
+      <p:sp>
+        <p:nvSpPr>
+          <p:cNvPr id="5" name="Título 4"/>
+          <p:cNvSpPr>
+            <a:spLocks noGrp="1"/>
+          </p:cNvSpPr>
+          <p:nvPr>
+            <p:ph type="title"/>
+          </p:nvPr>
+        </p:nvSpPr>
+        <p:spPr/>
+        <p:txBody>
+          <a:bodyPr/>
+          <a:lstStyle/>
+          <a:p>
+            <a:r>
+              <a:rPr lang="pt-BR" dirty="0"/>
+              <a:t>Normas de Interface de Usuário</a:t>
+            </a:r>
+          </a:p>
+        </p:txBody>
+      </p:sp>
+      <p:sp>
+        <p:nvSpPr>
+          <p:cNvPr id="6" name="Espaço Reservado para Conteúdo 5"/>
+          <p:cNvSpPr>
+            <a:spLocks noGrp="1"/>
+          </p:cNvSpPr>
+          <p:nvPr>
+            <p:ph idx="1"/>
+          </p:nvPr>
+        </p:nvSpPr>
+        <p:spPr/>
+        <p:txBody>
+          <a:bodyPr>
+            <a:normAutofit/>
+          </a:bodyPr>
+          <a:lstStyle/>
+          <a:p>
+            <a:pPr marL="457200" indent="-457200" algn="l">
+              <a:buFont typeface="Arial" panose="020B0604020202020204" pitchFamily="34" charset="0"/>
+              <a:buChar char="•"/>
+            </a:pPr>
+            <a:r>
+              <a:rPr lang="pt-BR" dirty="0"/>
+              <a:t>Teclados na tela devem ter a aparência de um teclado real;</a:t>
+            </a:r>
+          </a:p>
+          <a:p>
+            <a:pPr marL="457200" indent="-457200" algn="l">
+              <a:buFont typeface="Arial" panose="020B0604020202020204" pitchFamily="34" charset="0"/>
+              <a:buChar char="•"/>
+            </a:pPr>
+            <a:r>
+              <a:rPr lang="pt-BR" dirty="0"/>
+              <a:t>Teclados na tela devem ter as letras organizadas alfabeticamente;</a:t>
+            </a:r>
+          </a:p>
+          <a:p>
+            <a:pPr marL="457200" indent="-457200" algn="l">
+              <a:buFont typeface="Arial" panose="020B0604020202020204" pitchFamily="34" charset="0"/>
+              <a:buChar char="•"/>
+            </a:pPr>
+            <a:r>
+              <a:rPr lang="pt-BR" dirty="0"/>
+              <a:t>Separe alfabeto, símbolos e acentos em teclados diferentes;</a:t>
+            </a:r>
+          </a:p>
+          <a:p>
+            <a:pPr marL="457200" indent="-457200" algn="l">
+              <a:buFont typeface="Arial" panose="020B0604020202020204" pitchFamily="34" charset="0"/>
+              <a:buChar char="•"/>
+            </a:pPr>
+            <a:r>
+              <a:rPr lang="pt-BR" dirty="0"/>
+              <a:t>Funções comuns como </a:t>
+            </a:r>
+            <a:r>
+              <a:rPr lang="pt-BR" dirty="0" err="1"/>
+              <a:t>Enter</a:t>
+            </a:r>
+            <a:r>
+              <a:rPr lang="pt-BR" dirty="0"/>
+              <a:t>, Espaço, </a:t>
+            </a:r>
+            <a:r>
+              <a:rPr lang="pt-BR" dirty="0" err="1"/>
+              <a:t>Backspace</a:t>
+            </a:r>
+            <a:r>
+              <a:rPr lang="pt-BR" dirty="0"/>
+              <a:t>, Fixa e Shift devem ser mapeadas para botões do controle;</a:t>
+            </a:r>
+          </a:p>
+        </p:txBody>
+      </p:sp>
+    </p:spTree>
+    <p:extLst>
+      <p:ext uri="{BB962C8B-B14F-4D97-AF65-F5344CB8AC3E}">
+        <p14:creationId xmlns:p14="http://schemas.microsoft.com/office/powerpoint/2010/main" val="3132790395"/>
+      </p:ext>
+    </p:extLst>
+  </p:cSld>
+  <p:clrMapOvr>
+    <a:masterClrMapping/>
+  </p:clrMapOvr>
+</p:sld>
+</file>
+
+<file path=ppt/slides/slide7.xml><?xml version="1.0" encoding="utf-8"?>
+<p:sld xmlns:a="http://schemas.openxmlformats.org/drawingml/2006/main" xmlns:r="http://schemas.openxmlformats.org/officeDocument/2006/relationships" xmlns:p="http://schemas.openxmlformats.org/presentationml/2006/main">
+  <p:cSld>
+    <p:spTree>
+      <p:nvGrpSpPr>
+        <p:cNvPr id="1" name=""/>
+        <p:cNvGrpSpPr/>
+        <p:nvPr/>
+      </p:nvGrpSpPr>
+      <p:grpSpPr>
+        <a:xfrm>
+          <a:off x="0" y="0"/>
+          <a:ext cx="0" cy="0"/>
+          <a:chOff x="0" y="0"/>
+          <a:chExt cx="0" cy="0"/>
+        </a:xfrm>
+      </p:grpSpPr>
+      <p:sp>
+        <p:nvSpPr>
+          <p:cNvPr id="5" name="Título 4"/>
+          <p:cNvSpPr>
+            <a:spLocks noGrp="1"/>
+          </p:cNvSpPr>
+          <p:nvPr>
+            <p:ph type="title"/>
+          </p:nvPr>
+        </p:nvSpPr>
+        <p:spPr/>
+        <p:txBody>
+          <a:bodyPr/>
+          <a:lstStyle/>
+          <a:p>
+            <a:r>
+              <a:rPr lang="pt-BR" dirty="0"/>
+              <a:t>Normas de Interface de Usuário</a:t>
+            </a:r>
+          </a:p>
+        </p:txBody>
+      </p:sp>
+      <p:sp>
+        <p:nvSpPr>
+          <p:cNvPr id="6" name="Espaço Reservado para Conteúdo 5"/>
+          <p:cNvSpPr>
+            <a:spLocks noGrp="1"/>
+          </p:cNvSpPr>
+          <p:nvPr>
+            <p:ph idx="1"/>
+          </p:nvPr>
+        </p:nvSpPr>
+        <p:spPr/>
+        <p:txBody>
+          <a:bodyPr>
+            <a:normAutofit lnSpcReduction="10000"/>
+          </a:bodyPr>
+          <a:lstStyle/>
+          <a:p>
+            <a:pPr marL="457200" indent="-457200" algn="l">
+              <a:buFont typeface="Arial" panose="020B0604020202020204" pitchFamily="34" charset="0"/>
+              <a:buChar char="•"/>
+            </a:pPr>
+            <a:r>
+              <a:rPr lang="pt-BR" dirty="0"/>
+              <a:t>Associe as funções Espaço e </a:t>
+            </a:r>
+            <a:r>
+              <a:rPr lang="pt-BR" dirty="0" err="1"/>
+              <a:t>Backspace</a:t>
+            </a:r>
+            <a:r>
+              <a:rPr lang="pt-BR" dirty="0"/>
+              <a:t> aos </a:t>
+            </a:r>
+            <a:r>
+              <a:rPr lang="pt-BR" dirty="0" err="1"/>
+              <a:t>shoulder</a:t>
+            </a:r>
+            <a:r>
+              <a:rPr lang="pt-BR" dirty="0"/>
+              <a:t> bottons esquerdo e direito, respectivamente;</a:t>
+            </a:r>
+          </a:p>
+          <a:p>
+            <a:pPr marL="457200" indent="-457200" algn="l">
+              <a:buFont typeface="Arial" panose="020B0604020202020204" pitchFamily="34" charset="0"/>
+              <a:buChar char="•"/>
+            </a:pPr>
+            <a:r>
+              <a:rPr lang="pt-BR" dirty="0"/>
+              <a:t>Os menus devem ocupar uma única tela;</a:t>
+            </a:r>
+          </a:p>
+          <a:p>
+            <a:pPr marL="457200" indent="-457200" algn="l">
+              <a:buFont typeface="Arial" panose="020B0604020202020204" pitchFamily="34" charset="0"/>
+              <a:buChar char="•"/>
+            </a:pPr>
+            <a:r>
+              <a:rPr lang="pt-BR" dirty="0"/>
+              <a:t>O cursor deve destacar o item de menu selecionado no momento;</a:t>
+            </a:r>
+          </a:p>
+          <a:p>
+            <a:pPr marL="457200" indent="-457200" algn="l">
+              <a:buFont typeface="Arial" panose="020B0604020202020204" pitchFamily="34" charset="0"/>
+              <a:buChar char="•"/>
+            </a:pPr>
+            <a:r>
+              <a:rPr lang="pt-BR" dirty="0"/>
+              <a:t>Evite menus horizontais;</a:t>
+            </a:r>
+          </a:p>
+          <a:p>
+            <a:pPr marL="457200" indent="-457200" algn="l">
+              <a:buFont typeface="Arial" panose="020B0604020202020204" pitchFamily="34" charset="0"/>
+              <a:buChar char="•"/>
+            </a:pPr>
+            <a:r>
+              <a:rPr lang="pt-BR" dirty="0"/>
+              <a:t>Menus verticais não devem ter mais de 8 itens;</a:t>
+            </a:r>
+          </a:p>
+        </p:txBody>
+      </p:sp>
+    </p:spTree>
+    <p:extLst>
+      <p:ext uri="{BB962C8B-B14F-4D97-AF65-F5344CB8AC3E}">
+        <p14:creationId xmlns:p14="http://schemas.microsoft.com/office/powerpoint/2010/main" val="2066020975"/>
+      </p:ext>
+    </p:extLst>
+  </p:cSld>
+  <p:clrMapOvr>
+    <a:masterClrMapping/>
+  </p:clrMapOvr>
+</p:sld>
+</file>
+
+<file path=ppt/slides/slide8.xml><?xml version="1.0" encoding="utf-8"?>
+<p:sld xmlns:a="http://schemas.openxmlformats.org/drawingml/2006/main" xmlns:r="http://schemas.openxmlformats.org/officeDocument/2006/relationships" xmlns:p="http://schemas.openxmlformats.org/presentationml/2006/main">
+  <p:cSld>
+    <p:spTree>
+      <p:nvGrpSpPr>
+        <p:cNvPr id="1" name=""/>
+        <p:cNvGrpSpPr/>
+        <p:nvPr/>
+      </p:nvGrpSpPr>
+      <p:grpSpPr>
+        <a:xfrm>
+          <a:off x="0" y="0"/>
+          <a:ext cx="0" cy="0"/>
+          <a:chOff x="0" y="0"/>
+          <a:chExt cx="0" cy="0"/>
+        </a:xfrm>
+      </p:grpSpPr>
+      <p:sp>
+        <p:nvSpPr>
+          <p:cNvPr id="5" name="Título 4"/>
+          <p:cNvSpPr>
+            <a:spLocks noGrp="1"/>
+          </p:cNvSpPr>
+          <p:nvPr>
+            <p:ph type="title"/>
+          </p:nvPr>
+        </p:nvSpPr>
+        <p:spPr/>
+        <p:txBody>
+          <a:bodyPr/>
+          <a:lstStyle/>
+          <a:p>
+            <a:r>
+              <a:rPr lang="pt-BR" dirty="0"/>
+              <a:t>Normas de Interface de Usuário</a:t>
+            </a:r>
+          </a:p>
+        </p:txBody>
+      </p:sp>
+      <p:sp>
+        <p:nvSpPr>
+          <p:cNvPr id="6" name="Espaço Reservado para Conteúdo 5"/>
+          <p:cNvSpPr>
+            <a:spLocks noGrp="1"/>
+          </p:cNvSpPr>
+          <p:nvPr>
+            <p:ph idx="1"/>
+          </p:nvPr>
+        </p:nvSpPr>
+        <p:spPr/>
+        <p:txBody>
+          <a:bodyPr>
+            <a:normAutofit/>
+          </a:bodyPr>
+          <a:lstStyle/>
+          <a:p>
+            <a:pPr marL="457200" indent="-457200" algn="l">
+              <a:buFont typeface="Arial" panose="020B0604020202020204" pitchFamily="34" charset="0"/>
+              <a:buChar char="•"/>
+            </a:pPr>
+            <a:r>
+              <a:rPr lang="pt-BR" dirty="0"/>
+              <a:t>Os menus devem ser cíclicos;</a:t>
+            </a:r>
+          </a:p>
+          <a:p>
+            <a:pPr marL="457200" indent="-457200" algn="l">
+              <a:buFont typeface="Arial" panose="020B0604020202020204" pitchFamily="34" charset="0"/>
+              <a:buChar char="•"/>
+            </a:pPr>
+            <a:r>
+              <a:rPr lang="pt-BR" dirty="0"/>
+              <a:t>Deixe espaço excedente para os textos;</a:t>
+            </a:r>
+          </a:p>
+          <a:p>
+            <a:pPr marL="457200" indent="-457200" algn="l">
+              <a:buFont typeface="Arial" panose="020B0604020202020204" pitchFamily="34" charset="0"/>
+              <a:buChar char="•"/>
+            </a:pPr>
+            <a:r>
+              <a:rPr lang="pt-BR" dirty="0"/>
+              <a:t>Coloque os botões próximos de suas funcionalidades;</a:t>
+            </a:r>
+          </a:p>
+          <a:p>
+            <a:pPr marL="457200" indent="-457200" algn="l">
+              <a:buFont typeface="Arial" panose="020B0604020202020204" pitchFamily="34" charset="0"/>
+              <a:buChar char="•"/>
+            </a:pPr>
+            <a:r>
+              <a:rPr lang="pt-BR" dirty="0"/>
+              <a:t>Faça a correspondência entre os ícones dos botões com os botões do controle; e</a:t>
+            </a:r>
+          </a:p>
+          <a:p>
+            <a:pPr marL="457200" indent="-457200" algn="l">
+              <a:buFont typeface="Arial" panose="020B0604020202020204" pitchFamily="34" charset="0"/>
+              <a:buChar char="•"/>
+            </a:pPr>
+            <a:r>
+              <a:rPr lang="pt-BR" dirty="0"/>
+              <a:t>Separe as funções de movimento das demais.</a:t>
+            </a:r>
+          </a:p>
+          <a:p>
+            <a:pPr marL="457200" indent="-457200" algn="l">
+              <a:buFont typeface="Arial" panose="020B0604020202020204" pitchFamily="34" charset="0"/>
+              <a:buChar char="•"/>
+            </a:pPr>
+            <a:endParaRPr lang="pt-BR" dirty="0"/>
+          </a:p>
+        </p:txBody>
+      </p:sp>
+    </p:spTree>
+    <p:extLst>
+      <p:ext uri="{BB962C8B-B14F-4D97-AF65-F5344CB8AC3E}">
+        <p14:creationId xmlns:p14="http://schemas.microsoft.com/office/powerpoint/2010/main" val="2148585475"/>
+      </p:ext>
+    </p:extLst>
+  </p:cSld>
+  <p:clrMapOvr>
+    <a:masterClrMapping/>
+  </p:clrMapOvr>
+</p:sld>
+</file>
+
+<file path=ppt/slides/slide9.xml><?xml version="1.0" encoding="utf-8"?>
 <p:sld xmlns:a="http://schemas.openxmlformats.org/drawingml/2006/main" xmlns:r="http://schemas.openxmlformats.org/officeDocument/2006/relationships" xmlns:p="http://schemas.openxmlformats.org/presentationml/2006/main">
   <p:cSld>
     <p:spTree>

--- a/unity_game-quality.pptx
+++ b/unity_game-quality.pptx
@@ -5,7 +5,7 @@
     <p:sldMasterId id="2147483648" r:id="rId1"/>
   </p:sldMasterIdLst>
   <p:notesMasterIdLst>
-    <p:notesMasterId r:id="rId11"/>
+    <p:notesMasterId r:id="rId12"/>
   </p:notesMasterIdLst>
   <p:sldIdLst>
     <p:sldId id="256" r:id="rId2"/>
@@ -16,7 +16,8 @@
     <p:sldId id="356" r:id="rId7"/>
     <p:sldId id="357" r:id="rId8"/>
     <p:sldId id="358" r:id="rId9"/>
-    <p:sldId id="352" r:id="rId10"/>
+    <p:sldId id="359" r:id="rId10"/>
+    <p:sldId id="352" r:id="rId11"/>
   </p:sldIdLst>
   <p:sldSz cx="12192000" cy="6858000"/>
   <p:notesSz cx="6858000" cy="9144000"/>
@@ -363,7 +364,7 @@
           <a:p>
             <a:fld id="{020F486D-935E-4125-8FD7-C735663CC7DE}" type="slidenum">
               <a:rPr lang="pt-BR" smtClean="0"/>
-              <a:t>‹#›</a:t>
+              <a:t>‹nº›</a:t>
             </a:fld>
             <a:endParaRPr lang="pt-BR"/>
           </a:p>
@@ -556,6 +557,90 @@
 </p:notes>
 </file>
 
+<file path=ppt/notesSlides/notesSlide2.xml><?xml version="1.0" encoding="utf-8"?>
+<p:notes xmlns:a="http://schemas.openxmlformats.org/drawingml/2006/main" xmlns:r="http://schemas.openxmlformats.org/officeDocument/2006/relationships" xmlns:p="http://schemas.openxmlformats.org/presentationml/2006/main">
+  <p:cSld>
+    <p:spTree>
+      <p:nvGrpSpPr>
+        <p:cNvPr id="1" name=""/>
+        <p:cNvGrpSpPr/>
+        <p:nvPr/>
+      </p:nvGrpSpPr>
+      <p:grpSpPr>
+        <a:xfrm>
+          <a:off x="0" y="0"/>
+          <a:ext cx="0" cy="0"/>
+          <a:chOff x="0" y="0"/>
+          <a:chExt cx="0" cy="0"/>
+        </a:xfrm>
+      </p:grpSpPr>
+      <p:sp>
+        <p:nvSpPr>
+          <p:cNvPr id="2" name="Espaço Reservado para Imagem de Slide 1"/>
+          <p:cNvSpPr>
+            <a:spLocks noGrp="1" noRot="1" noChangeAspect="1"/>
+          </p:cNvSpPr>
+          <p:nvPr>
+            <p:ph type="sldImg"/>
+          </p:nvPr>
+        </p:nvSpPr>
+        <p:spPr/>
+      </p:sp>
+      <p:sp>
+        <p:nvSpPr>
+          <p:cNvPr id="3" name="Espaço Reservado para Anotações 2"/>
+          <p:cNvSpPr>
+            <a:spLocks noGrp="1"/>
+          </p:cNvSpPr>
+          <p:nvPr>
+            <p:ph type="body" idx="1"/>
+          </p:nvPr>
+        </p:nvSpPr>
+        <p:spPr/>
+        <p:txBody>
+          <a:bodyPr/>
+          <a:lstStyle/>
+          <a:p>
+            <a:endParaRPr lang="pt-BR" dirty="0"/>
+          </a:p>
+        </p:txBody>
+      </p:sp>
+      <p:sp>
+        <p:nvSpPr>
+          <p:cNvPr id="4" name="Espaço Reservado para Número de Slide 3"/>
+          <p:cNvSpPr>
+            <a:spLocks noGrp="1"/>
+          </p:cNvSpPr>
+          <p:nvPr>
+            <p:ph type="sldNum" sz="quarter" idx="10"/>
+          </p:nvPr>
+        </p:nvSpPr>
+        <p:spPr/>
+        <p:txBody>
+          <a:bodyPr/>
+          <a:lstStyle/>
+          <a:p>
+            <a:fld id="{020F486D-935E-4125-8FD7-C735663CC7DE}" type="slidenum">
+              <a:rPr lang="pt-BR" smtClean="0"/>
+              <a:t>9</a:t>
+            </a:fld>
+            <a:endParaRPr lang="pt-BR"/>
+          </a:p>
+        </p:txBody>
+      </p:sp>
+    </p:spTree>
+    <p:extLst>
+      <p:ext uri="{BB962C8B-B14F-4D97-AF65-F5344CB8AC3E}">
+        <p14:creationId xmlns:p14="http://schemas.microsoft.com/office/powerpoint/2010/main" val="2722084599"/>
+      </p:ext>
+    </p:extLst>
+  </p:cSld>
+  <p:clrMapOvr>
+    <a:masterClrMapping/>
+  </p:clrMapOvr>
+</p:notes>
+</file>
+
 <file path=ppt/slideLayouts/slideLayout1.xml><?xml version="1.0" encoding="utf-8"?>
 <p:sldLayout xmlns:a="http://schemas.openxmlformats.org/drawingml/2006/main" xmlns:r="http://schemas.openxmlformats.org/officeDocument/2006/relationships" xmlns:p="http://schemas.openxmlformats.org/presentationml/2006/main" type="title" preserve="1">
   <p:cSld name="Slide de título">
@@ -757,7 +842,7 @@
           <a:p>
             <a:fld id="{29185252-FBA3-417A-8652-C405B89605D8}" type="slidenum">
               <a:rPr lang="pt-BR" smtClean="0"/>
-              <a:t>‹#›</a:t>
+              <a:t>‹nº›</a:t>
             </a:fld>
             <a:endParaRPr lang="pt-BR"/>
           </a:p>
@@ -925,7 +1010,7 @@
           <a:p>
             <a:fld id="{29185252-FBA3-417A-8652-C405B89605D8}" type="slidenum">
               <a:rPr lang="pt-BR" smtClean="0"/>
-              <a:t>‹#›</a:t>
+              <a:t>‹nº›</a:t>
             </a:fld>
             <a:endParaRPr lang="pt-BR"/>
           </a:p>
@@ -1103,7 +1188,7 @@
           <a:p>
             <a:fld id="{29185252-FBA3-417A-8652-C405B89605D8}" type="slidenum">
               <a:rPr lang="pt-BR" smtClean="0"/>
-              <a:t>‹#›</a:t>
+              <a:t>‹nº›</a:t>
             </a:fld>
             <a:endParaRPr lang="pt-BR"/>
           </a:p>
@@ -1440,7 +1525,7 @@
           <a:p>
             <a:fld id="{29185252-FBA3-417A-8652-C405B89605D8}" type="slidenum">
               <a:rPr lang="pt-BR" smtClean="0"/>
-              <a:t>‹#›</a:t>
+              <a:t>‹nº›</a:t>
             </a:fld>
             <a:endParaRPr lang="pt-BR"/>
           </a:p>
@@ -1711,7 +1796,7 @@
           <a:p>
             <a:fld id="{29185252-FBA3-417A-8652-C405B89605D8}" type="slidenum">
               <a:rPr lang="pt-BR" smtClean="0"/>
-              <a:t>‹#›</a:t>
+              <a:t>‹nº›</a:t>
             </a:fld>
             <a:endParaRPr lang="pt-BR"/>
           </a:p>
@@ -1957,7 +2042,7 @@
           <a:p>
             <a:fld id="{29185252-FBA3-417A-8652-C405B89605D8}" type="slidenum">
               <a:rPr lang="pt-BR" smtClean="0"/>
-              <a:t>‹#›</a:t>
+              <a:t>‹nº›</a:t>
             </a:fld>
             <a:endParaRPr lang="pt-BR"/>
           </a:p>
@@ -2321,7 +2406,7 @@
           <a:p>
             <a:fld id="{29185252-FBA3-417A-8652-C405B89605D8}" type="slidenum">
               <a:rPr lang="pt-BR" smtClean="0"/>
-              <a:t>‹#›</a:t>
+              <a:t>‹nº›</a:t>
             </a:fld>
             <a:endParaRPr lang="pt-BR"/>
           </a:p>
@@ -2455,7 +2540,7 @@
           <a:p>
             <a:fld id="{29185252-FBA3-417A-8652-C405B89605D8}" type="slidenum">
               <a:rPr lang="pt-BR" smtClean="0"/>
-              <a:t>‹#›</a:t>
+              <a:t>‹nº›</a:t>
             </a:fld>
             <a:endParaRPr lang="pt-BR"/>
           </a:p>
@@ -2550,7 +2635,7 @@
           <a:p>
             <a:fld id="{29185252-FBA3-417A-8652-C405B89605D8}" type="slidenum">
               <a:rPr lang="pt-BR" smtClean="0"/>
-              <a:t>‹#›</a:t>
+              <a:t>‹nº›</a:t>
             </a:fld>
             <a:endParaRPr lang="pt-BR"/>
           </a:p>
@@ -2825,7 +2910,7 @@
           <a:p>
             <a:fld id="{29185252-FBA3-417A-8652-C405B89605D8}" type="slidenum">
               <a:rPr lang="pt-BR" smtClean="0"/>
-              <a:t>‹#›</a:t>
+              <a:t>‹nº›</a:t>
             </a:fld>
             <a:endParaRPr lang="pt-BR"/>
           </a:p>
@@ -3077,7 +3162,7 @@
           <a:p>
             <a:fld id="{29185252-FBA3-417A-8652-C405B89605D8}" type="slidenum">
               <a:rPr lang="pt-BR" smtClean="0"/>
-              <a:t>‹#›</a:t>
+              <a:t>‹nº›</a:t>
             </a:fld>
             <a:endParaRPr lang="pt-BR"/>
           </a:p>
@@ -3333,7 +3418,7 @@
           <a:p>
             <a:fld id="{29185252-FBA3-417A-8652-C405B89605D8}" type="slidenum">
               <a:rPr lang="pt-BR" smtClean="0"/>
-              <a:t>‹#›</a:t>
+              <a:t>‹nº›</a:t>
             </a:fld>
             <a:endParaRPr lang="pt-BR"/>
           </a:p>
@@ -3745,6 +3830,135 @@
   <p:clrMapOvr>
     <a:masterClrMapping/>
   </p:clrMapOvr>
+  <p:timing>
+    <p:tnLst>
+      <p:par>
+        <p:cTn id="1" dur="indefinite" restart="never" nodeType="tmRoot"/>
+      </p:par>
+    </p:tnLst>
+  </p:timing>
+</p:sld>
+</file>
+
+<file path=ppt/slides/slide10.xml><?xml version="1.0" encoding="utf-8"?>
+<p:sld xmlns:a="http://schemas.openxmlformats.org/drawingml/2006/main" xmlns:r="http://schemas.openxmlformats.org/officeDocument/2006/relationships" xmlns:p="http://schemas.openxmlformats.org/presentationml/2006/main">
+  <p:cSld>
+    <p:spTree>
+      <p:nvGrpSpPr>
+        <p:cNvPr id="1" name=""/>
+        <p:cNvGrpSpPr/>
+        <p:nvPr/>
+      </p:nvGrpSpPr>
+      <p:grpSpPr>
+        <a:xfrm>
+          <a:off x="0" y="0"/>
+          <a:ext cx="0" cy="0"/>
+          <a:chOff x="0" y="0"/>
+          <a:chExt cx="0" cy="0"/>
+        </a:xfrm>
+      </p:grpSpPr>
+      <p:sp>
+        <p:nvSpPr>
+          <p:cNvPr id="5" name="Título 4"/>
+          <p:cNvSpPr>
+            <a:spLocks noGrp="1"/>
+          </p:cNvSpPr>
+          <p:nvPr>
+            <p:ph type="title"/>
+          </p:nvPr>
+        </p:nvSpPr>
+        <p:spPr/>
+        <p:txBody>
+          <a:bodyPr>
+            <a:normAutofit/>
+          </a:bodyPr>
+          <a:lstStyle/>
+          <a:p>
+            <a:r>
+              <a:rPr lang="pt-BR" dirty="0"/>
+              <a:t>Referências</a:t>
+            </a:r>
+          </a:p>
+        </p:txBody>
+      </p:sp>
+      <p:sp>
+        <p:nvSpPr>
+          <p:cNvPr id="6" name="Espaço Reservado para Conteúdo 5"/>
+          <p:cNvSpPr>
+            <a:spLocks noGrp="1"/>
+          </p:cNvSpPr>
+          <p:nvPr>
+            <p:ph idx="1"/>
+          </p:nvPr>
+        </p:nvSpPr>
+        <p:spPr>
+          <a:xfrm>
+            <a:off x="317694" y="1291051"/>
+            <a:ext cx="11705493" cy="5254127"/>
+          </a:xfrm>
+        </p:spPr>
+        <p:txBody>
+          <a:bodyPr>
+            <a:normAutofit/>
+          </a:bodyPr>
+          <a:lstStyle/>
+          <a:p>
+            <a:pPr marL="514350" indent="-514350" algn="l">
+              <a:buFont typeface="+mj-lt"/>
+              <a:buAutoNum type="arabicPeriod"/>
+            </a:pPr>
+            <a:r>
+              <a:rPr lang="en-US" dirty="0"/>
+              <a:t>Schultz, C.P.; Bryant, R.; Langdell, T. </a:t>
+            </a:r>
+            <a:r>
+              <a:rPr lang="en-US" b="1" dirty="0"/>
+              <a:t>Game Testing All in One</a:t>
+            </a:r>
+            <a:r>
+              <a:rPr lang="en-US" dirty="0"/>
+              <a:t>. Thompson Course Technology. 2005.</a:t>
+            </a:r>
+          </a:p>
+          <a:p>
+            <a:pPr marL="514350" indent="-514350" algn="l">
+              <a:buFont typeface="+mj-lt"/>
+              <a:buAutoNum type="arabicPeriod"/>
+            </a:pPr>
+            <a:endParaRPr lang="en-US" dirty="0"/>
+          </a:p>
+          <a:p>
+            <a:pPr marL="514350" indent="-514350" algn="l">
+              <a:buFont typeface="+mj-lt"/>
+              <a:buAutoNum type="arabicPeriod"/>
+            </a:pPr>
+            <a:endParaRPr lang="pt-BR" dirty="0"/>
+          </a:p>
+          <a:p>
+            <a:endParaRPr lang="pt-BR" dirty="0"/>
+          </a:p>
+          <a:p>
+            <a:endParaRPr lang="pt-BR" dirty="0"/>
+          </a:p>
+        </p:txBody>
+      </p:sp>
+    </p:spTree>
+    <p:extLst>
+      <p:ext uri="{BB962C8B-B14F-4D97-AF65-F5344CB8AC3E}">
+        <p14:creationId xmlns:p14="http://schemas.microsoft.com/office/powerpoint/2010/main" val="4155669808"/>
+      </p:ext>
+    </p:extLst>
+  </p:cSld>
+  <p:clrMapOvr>
+    <a:masterClrMapping/>
+  </p:clrMapOvr>
+  <p:timing>
+    <p:tnLst>
+      <p:par>
+        <p:cTn id="1" dur="indefinite" restart="never" nodeType="tmRoot"/>
+      </p:par>
+    </p:tnLst>
+  </p:timing>
 </p:sld>
 </file>
 
@@ -3827,6 +4041,13 @@
   <p:clrMapOvr>
     <a:masterClrMapping/>
   </p:clrMapOvr>
+  <p:timing>
+    <p:tnLst>
+      <p:par>
+        <p:cTn id="1" dur="indefinite" restart="never" nodeType="tmRoot"/>
+      </p:par>
+    </p:tnLst>
+  </p:timing>
 </p:sld>
 </file>
 
@@ -3967,6 +4188,13 @@
   <p:clrMapOvr>
     <a:masterClrMapping/>
   </p:clrMapOvr>
+  <p:timing>
+    <p:tnLst>
+      <p:par>
+        <p:cTn id="1" dur="indefinite" restart="never" nodeType="tmRoot"/>
+      </p:par>
+    </p:tnLst>
+  </p:timing>
 </p:sld>
 </file>
 
@@ -4069,6 +4297,13 @@
   <p:clrMapOvr>
     <a:masterClrMapping/>
   </p:clrMapOvr>
+  <p:timing>
+    <p:tnLst>
+      <p:par>
+        <p:cTn id="1" dur="indefinite" restart="never" nodeType="tmRoot"/>
+      </p:par>
+    </p:tnLst>
+  </p:timing>
 </p:sld>
 </file>
 
@@ -4105,8 +4340,12 @@
           <a:lstStyle/>
           <a:p>
             <a:r>
-              <a:rPr lang="pt-BR" dirty="0"/>
-              <a:t>Normas de Interface de Usuário</a:t>
+              <a:rPr lang="pt-BR" dirty="0" smtClean="0"/>
+              <a:t>Normas </a:t>
+            </a:r>
+            <a:r>
+              <a:rPr lang="pt-BR" dirty="0"/>
+              <a:t>de Interface de Usuário</a:t>
             </a:r>
           </a:p>
         </p:txBody>
@@ -4201,8 +4440,20 @@
               <a:buChar char="•"/>
             </a:pPr>
             <a:r>
-              <a:rPr lang="pt-BR" dirty="0"/>
-              <a:t>Transforme texto em curvas quando possível;</a:t>
+              <a:rPr lang="pt-BR" dirty="0" smtClean="0"/>
+              <a:t>Use </a:t>
+            </a:r>
+            <a:r>
+              <a:rPr lang="pt-BR" dirty="0"/>
+              <a:t>texto </a:t>
+            </a:r>
+            <a:r>
+              <a:rPr lang="pt-BR" dirty="0" smtClean="0"/>
+              <a:t>vetorial sempre que possível</a:t>
+            </a:r>
+            <a:r>
+              <a:rPr lang="pt-BR" dirty="0"/>
+              <a:t>;</a:t>
             </a:r>
           </a:p>
         </p:txBody>
@@ -4217,6 +4468,13 @@
   <p:clrMapOvr>
     <a:masterClrMapping/>
   </p:clrMapOvr>
+  <p:timing>
+    <p:tnLst>
+      <p:par>
+        <p:cTn id="1" dur="indefinite" restart="never" nodeType="tmRoot"/>
+      </p:par>
+    </p:tnLst>
+  </p:timing>
 </p:sld>
 </file>
 
@@ -4343,6 +4601,13 @@
   <p:clrMapOvr>
     <a:masterClrMapping/>
   </p:clrMapOvr>
+  <p:timing>
+    <p:tnLst>
+      <p:par>
+        <p:cTn id="1" dur="indefinite" restart="never" nodeType="tmRoot"/>
+      </p:par>
+    </p:tnLst>
+  </p:timing>
 </p:sld>
 </file>
 
@@ -4419,12 +4684,24 @@
               <a:t> aos </a:t>
             </a:r>
             <a:r>
-              <a:rPr lang="pt-BR" dirty="0" err="1"/>
+              <a:rPr lang="pt-BR" i="1" dirty="0" err="1"/>
               <a:t>shoulder</a:t>
             </a:r>
             <a:r>
-              <a:rPr lang="pt-BR" dirty="0"/>
-              <a:t> bottons esquerdo e direito, respectivamente;</a:t>
+              <a:rPr lang="pt-BR" i="1" dirty="0"/>
+              <a:t> </a:t>
+            </a:r>
+            <a:r>
+              <a:rPr lang="pt-BR" i="1" dirty="0" err="1" smtClean="0"/>
+              <a:t>buttons</a:t>
+            </a:r>
+            <a:r>
+              <a:rPr lang="pt-BR" dirty="0" smtClean="0"/>
+              <a:t> </a:t>
+            </a:r>
+            <a:r>
+              <a:rPr lang="pt-BR" dirty="0"/>
+              <a:t>esquerdo e direito, respectivamente;</a:t>
             </a:r>
           </a:p>
           <a:p>
@@ -4479,6 +4756,13 @@
   <p:clrMapOvr>
     <a:masterClrMapping/>
   </p:clrMapOvr>
+  <p:timing>
+    <p:tnLst>
+      <p:par>
+        <p:cTn id="1" dur="indefinite" restart="never" nodeType="tmRoot"/>
+      </p:par>
+    </p:tnLst>
+  </p:timing>
 </p:sld>
 </file>
 
@@ -4606,6 +4890,13 @@
   <p:clrMapOvr>
     <a:masterClrMapping/>
   </p:clrMapOvr>
+  <p:timing>
+    <p:tnLst>
+      <p:par>
+        <p:cTn id="1" dur="indefinite" restart="never" nodeType="tmRoot"/>
+      </p:par>
+    </p:tnLst>
+  </p:timing>
 </p:sld>
 </file>
 
@@ -4638,75 +4929,114 @@
         </p:nvSpPr>
         <p:spPr/>
         <p:txBody>
+          <a:bodyPr/>
+          <a:lstStyle/>
+          <a:p>
+            <a:r>
+              <a:rPr lang="pt-BR" dirty="0"/>
+              <a:t>Normas de </a:t>
+            </a:r>
+            <a:r>
+              <a:rPr lang="pt-BR" dirty="0" smtClean="0"/>
+              <a:t>Código</a:t>
+            </a:r>
+            <a:endParaRPr lang="pt-BR" dirty="0"/>
+          </a:p>
+        </p:txBody>
+      </p:sp>
+      <p:sp>
+        <p:nvSpPr>
+          <p:cNvPr id="6" name="Espaço Reservado para Conteúdo 5"/>
+          <p:cNvSpPr>
+            <a:spLocks noGrp="1"/>
+          </p:cNvSpPr>
+          <p:nvPr>
+            <p:ph idx="1"/>
+          </p:nvPr>
+        </p:nvSpPr>
+        <p:spPr/>
+        <p:txBody>
           <a:bodyPr>
-            <a:normAutofit/>
+            <a:normAutofit lnSpcReduction="10000"/>
           </a:bodyPr>
           <a:lstStyle/>
           <a:p>
             <a:r>
-              <a:rPr lang="pt-BR" dirty="0"/>
-              <a:t>Referências</a:t>
-            </a:r>
-          </a:p>
-        </p:txBody>
-      </p:sp>
-      <p:sp>
-        <p:nvSpPr>
-          <p:cNvPr id="6" name="Espaço Reservado para Conteúdo 5"/>
-          <p:cNvSpPr>
-            <a:spLocks noGrp="1"/>
-          </p:cNvSpPr>
-          <p:nvPr>
-            <p:ph idx="1"/>
-          </p:nvPr>
-        </p:nvSpPr>
-        <p:spPr>
-          <a:xfrm>
-            <a:off x="317694" y="1291051"/>
-            <a:ext cx="11705493" cy="5254127"/>
-          </a:xfrm>
-        </p:spPr>
-        <p:txBody>
-          <a:bodyPr>
-            <a:normAutofit/>
-          </a:bodyPr>
-          <a:lstStyle/>
-          <a:p>
-            <a:pPr marL="514350" indent="-514350" algn="l">
-              <a:buFont typeface="+mj-lt"/>
-              <a:buAutoNum type="arabicPeriod"/>
+              <a:rPr lang="pt-BR" dirty="0" smtClean="0"/>
+              <a:t>Evitam a introdução de erros no código:</a:t>
+            </a:r>
+          </a:p>
+          <a:p>
+            <a:pPr marL="457200" indent="-457200" algn="l">
+              <a:buFont typeface="Arial" panose="020B0604020202020204" pitchFamily="34" charset="0"/>
+              <a:buChar char="•"/>
             </a:pPr>
             <a:r>
-              <a:rPr lang="en-US" dirty="0"/>
-              <a:t>Schultz, C.P.; Bryant, R.; Langdell, T. </a:t>
-            </a:r>
-            <a:r>
-              <a:rPr lang="en-US" b="1" dirty="0"/>
-              <a:t>Game Testing All in One</a:t>
-            </a:r>
-            <a:r>
-              <a:rPr lang="en-US" dirty="0"/>
-              <a:t>. Thompson Course Technology. 2005.</a:t>
-            </a:r>
-          </a:p>
-          <a:p>
-            <a:pPr marL="514350" indent="-514350" algn="l">
-              <a:buFont typeface="+mj-lt"/>
-              <a:buAutoNum type="arabicPeriod"/>
+              <a:rPr lang="pt-BR" dirty="0" smtClean="0"/>
+              <a:t>Convenções para nomenclatura de arquivos;</a:t>
+            </a:r>
+          </a:p>
+          <a:p>
+            <a:pPr marL="457200" indent="-457200" algn="l">
+              <a:buFont typeface="Arial" panose="020B0604020202020204" pitchFamily="34" charset="0"/>
+              <a:buChar char="•"/>
             </a:pPr>
-            <a:endParaRPr lang="en-US" dirty="0"/>
-          </a:p>
-          <a:p>
-            <a:pPr marL="514350" indent="-514350" algn="l">
-              <a:buFont typeface="+mj-lt"/>
-              <a:buAutoNum type="arabicPeriod"/>
+            <a:r>
+              <a:rPr lang="pt-BR" dirty="0" smtClean="0"/>
+              <a:t>Arquivos de cabeçalho;</a:t>
+            </a:r>
+          </a:p>
+          <a:p>
+            <a:pPr marL="457200" indent="-457200" algn="l">
+              <a:buFont typeface="Arial" panose="020B0604020202020204" pitchFamily="34" charset="0"/>
+              <a:buChar char="•"/>
+            </a:pPr>
+            <a:r>
+              <a:rPr lang="pt-BR" dirty="0" smtClean="0"/>
+              <a:t>Estilos de comentários e </a:t>
+            </a:r>
+            <a:r>
+              <a:rPr lang="pt-BR" dirty="0" err="1" smtClean="0"/>
+              <a:t>indentações</a:t>
+            </a:r>
+            <a:r>
+              <a:rPr lang="pt-BR" dirty="0" smtClean="0"/>
+              <a:t>;</a:t>
+            </a:r>
+          </a:p>
+          <a:p>
+            <a:pPr marL="457200" indent="-457200" algn="l">
+              <a:buFont typeface="Arial" panose="020B0604020202020204" pitchFamily="34" charset="0"/>
+              <a:buChar char="•"/>
+            </a:pPr>
+            <a:r>
+              <a:rPr lang="pt-BR" dirty="0" smtClean="0"/>
+              <a:t>Uso de macros e constantes; e</a:t>
+            </a:r>
+          </a:p>
+          <a:p>
+            <a:pPr marL="457200" indent="-457200" algn="l">
+              <a:buFont typeface="Arial" panose="020B0604020202020204" pitchFamily="34" charset="0"/>
+              <a:buChar char="•"/>
+            </a:pPr>
+            <a:r>
+              <a:rPr lang="pt-BR" dirty="0" smtClean="0"/>
+              <a:t>Uso de variáveis globais.</a:t>
+            </a:r>
+            <a:endParaRPr lang="pt-BR" dirty="0" smtClean="0"/>
+          </a:p>
+          <a:p>
+            <a:pPr marL="457200" indent="-457200" algn="l">
+              <a:buFont typeface="Arial" panose="020B0604020202020204" pitchFamily="34" charset="0"/>
+              <a:buChar char="•"/>
             </a:pPr>
             <a:endParaRPr lang="pt-BR" dirty="0"/>
           </a:p>
           <a:p>
-            <a:endParaRPr lang="pt-BR" dirty="0"/>
-          </a:p>
-          <a:p>
+            <a:pPr marL="457200" indent="-457200" algn="l">
+              <a:buFont typeface="Arial" panose="020B0604020202020204" pitchFamily="34" charset="0"/>
+              <a:buChar char="•"/>
+            </a:pPr>
             <a:endParaRPr lang="pt-BR" dirty="0"/>
           </a:p>
         </p:txBody>
@@ -4714,13 +5044,20 @@
     </p:spTree>
     <p:extLst>
       <p:ext uri="{BB962C8B-B14F-4D97-AF65-F5344CB8AC3E}">
-        <p14:creationId xmlns:p14="http://schemas.microsoft.com/office/powerpoint/2010/main" val="4155669808"/>
+        <p14:creationId xmlns:p14="http://schemas.microsoft.com/office/powerpoint/2010/main" val="1880935632"/>
       </p:ext>
     </p:extLst>
   </p:cSld>
   <p:clrMapOvr>
     <a:masterClrMapping/>
   </p:clrMapOvr>
+  <p:timing>
+    <p:tnLst>
+      <p:par>
+        <p:cTn id="1" dur="indefinite" restart="never" nodeType="tmRoot"/>
+      </p:par>
+    </p:tnLst>
+  </p:timing>
 </p:sld>
 </file>
 
